--- a/img/ec-zero.pptx
+++ b/img/ec-zero.pptx
@@ -151,7 +151,7 @@
       </p14:sectionLst>
     </p:ext>
     <p:ext uri="{EFAFB233-063F-42B5-8137-9DF3F51BA10A}">
-      <p15:sldGuideLst xmlns="" xmlns:p15="http://schemas.microsoft.com/office/powerpoint/2012/main">
+      <p15:sldGuideLst xmlns:p15="http://schemas.microsoft.com/office/powerpoint/2012/main" xmlns="">
         <p15:guide id="1" orient="horz" pos="2160">
           <p15:clr>
             <a:srgbClr val="A4A3A4"/>
@@ -165,7 +165,7 @@
       </p15:sldGuideLst>
     </p:ext>
     <p:ext uri="{2D200454-40CA-4A62-9FC3-DE9A4176ACB9}">
-      <p15:notesGuideLst xmlns="" xmlns:p15="http://schemas.microsoft.com/office/powerpoint/2012/main">
+      <p15:notesGuideLst xmlns:p15="http://schemas.microsoft.com/office/powerpoint/2012/main" xmlns="">
         <p15:guide id="1" orient="horz" pos="3223">
           <p15:clr>
             <a:srgbClr val="A4A3A4"/>
@@ -1979,8 +1979,8 @@
           </a:prstGeom>
         </p:spPr>
       </p:pic>
-      <mc:AlternateContent xmlns:mc="http://schemas.openxmlformats.org/markup-compatibility/2006">
-        <mc:Choice xmlns:a14="http://schemas.microsoft.com/office/drawing/2010/main" Requires="a14">
+      <mc:AlternateContent xmlns:mc="http://schemas.openxmlformats.org/markup-compatibility/2006" xmlns:a14="http://schemas.microsoft.com/office/drawing/2010/main">
+        <mc:Choice Requires="a14">
           <p:sp>
             <p:nvSpPr>
               <p:cNvPr id="17" name="テキスト ボックス 16"/>
@@ -2007,7 +2007,6 @@
               </a:bodyPr>
               <a:lstStyle/>
               <a:p>
-                <a:pPr/>
                 <a14:m>
                   <m:oMath xmlns:m="http://schemas.openxmlformats.org/officeDocument/2006/math">
                     <m:sSub>
@@ -2154,7 +2153,7 @@
             </p:txBody>
           </p:sp>
         </mc:Choice>
-        <mc:Fallback>
+        <mc:Fallback xmlns="">
           <p:sp>
             <p:nvSpPr>
               <p:cNvPr id="17" name="テキスト ボックス 16"/>
@@ -2197,8 +2196,8 @@
           </p:sp>
         </mc:Fallback>
       </mc:AlternateContent>
-      <mc:AlternateContent xmlns:mc="http://schemas.openxmlformats.org/markup-compatibility/2006">
-        <mc:Choice xmlns:a14="http://schemas.microsoft.com/office/drawing/2010/main" Requires="a14">
+      <mc:AlternateContent xmlns:mc="http://schemas.openxmlformats.org/markup-compatibility/2006" xmlns:a14="http://schemas.microsoft.com/office/drawing/2010/main">
+        <mc:Choice Requires="a14">
           <p:sp>
             <p:nvSpPr>
               <p:cNvPr id="20" name="テキスト ボックス 19"/>
@@ -2252,7 +2251,7 @@
             </p:txBody>
           </p:sp>
         </mc:Choice>
-        <mc:Fallback>
+        <mc:Fallback xmlns="">
           <p:sp>
             <p:nvSpPr>
               <p:cNvPr id="20" name="テキスト ボックス 19"/>
@@ -2424,7 +2423,7 @@
             <p:spPr>
               <a:xfrm>
                 <a:off x="269776" y="2075334"/>
-                <a:ext cx="1553199" cy="327847"/>
+                <a:ext cx="1553199" cy="462947"/>
               </a:xfrm>
               <a:prstGeom prst="rect">
                 <a:avLst/>
@@ -2489,9 +2488,8 @@
                       </m:r>
                       <m:f>
                         <m:fPr>
-                          <m:type m:val="skw"/>
                           <m:ctrlPr>
-                            <a:rPr lang="en-US" altLang="ja-JP" sz="1200" i="1" smtClean="0">
+                            <a:rPr lang="en-US" altLang="ja-JP" sz="1200" b="0" i="1" smtClean="0">
                               <a:latin typeface="Cambria Math"/>
                               <a:ea typeface="HG丸ｺﾞｼｯｸM-PRO" panose="020F0600000000000000" pitchFamily="50" charset="-128"/>
                               <a:cs typeface="Courier New" pitchFamily="49" charset="0"/>
@@ -2629,7 +2627,7 @@
             <p:spPr>
               <a:xfrm>
                 <a:off x="269776" y="2075334"/>
-                <a:ext cx="1553199" cy="327847"/>
+                <a:ext cx="1553199" cy="462947"/>
               </a:xfrm>
               <a:prstGeom prst="rect">
                 <a:avLst/>
@@ -2637,7 +2635,7 @@
               <a:blipFill rotWithShape="1">
                 <a:blip r:embed="rId5"/>
                 <a:stretch>
-                  <a:fillRect t="-100000" b="-164815"/>
+                  <a:fillRect/>
                 </a:stretch>
               </a:blipFill>
               <a:ln w="3175" cap="rnd">
